--- a/CapstoneProjects/Capstone 3/Docs/ProductRecommenderforonlinestore.pptx
+++ b/CapstoneProjects/Capstone 3/Docs/ProductRecommenderforonlinestore.pptx
@@ -25,16 +25,17 @@
     <p:sldId id="270" r:id="rId20"/>
     <p:sldId id="271" r:id="rId21"/>
     <p:sldId id="272" r:id="rId22"/>
+    <p:sldId id="273" r:id="rId23"/>
   </p:sldIdLst>
   <p:sldSz cy="5143500" cx="9144000"/>
   <p:notesSz cx="6858000" cy="9144000"/>
   <p:embeddedFontLst>
     <p:embeddedFont>
       <p:font typeface="Roboto"/>
-      <p:regular r:id="rId23"/>
-      <p:bold r:id="rId24"/>
-      <p:italic r:id="rId25"/>
-      <p:boldItalic r:id="rId26"/>
+      <p:regular r:id="rId24"/>
+      <p:bold r:id="rId25"/>
+      <p:italic r:id="rId26"/>
+      <p:boldItalic r:id="rId27"/>
     </p:embeddedFont>
   </p:embeddedFontLst>
   <p:defaultTextStyle>
@@ -815,7 +816,7 @@
   <p:cSld>
     <p:spTree>
       <p:nvGrpSpPr>
-        <p:cNvPr id="143" name="Shape 143"/>
+        <p:cNvPr id="144" name="Shape 144"/>
         <p:cNvGrpSpPr/>
         <p:nvPr/>
       </p:nvGrpSpPr>
@@ -829,7 +830,7 @@
       </p:grpSpPr>
       <p:sp>
         <p:nvSpPr>
-          <p:cNvPr id="144" name="Google Shape;144;g10eadc7632e_2_109:notes"/>
+          <p:cNvPr id="145" name="Google Shape;145;g10eadc7632e_2_109:notes"/>
           <p:cNvSpPr/>
           <p:nvPr>
             <p:ph idx="2" type="sldImg"/>
@@ -864,7 +865,7 @@
       </p:sp>
       <p:sp>
         <p:nvSpPr>
-          <p:cNvPr id="145" name="Google Shape;145;g10eadc7632e_2_109:notes"/>
+          <p:cNvPr id="146" name="Google Shape;146;g10eadc7632e_2_109:notes"/>
           <p:cNvSpPr txBox="1"/>
           <p:nvPr>
             <p:ph idx="1" type="body"/>
@@ -914,7 +915,7 @@
   <p:cSld>
     <p:spTree>
       <p:nvGrpSpPr>
-        <p:cNvPr id="151" name="Shape 151"/>
+        <p:cNvPr id="152" name="Shape 152"/>
         <p:cNvGrpSpPr/>
         <p:nvPr/>
       </p:nvGrpSpPr>
@@ -928,7 +929,7 @@
       </p:grpSpPr>
       <p:sp>
         <p:nvSpPr>
-          <p:cNvPr id="152" name="Google Shape;152;g10eadc7632e_2_116:notes"/>
+          <p:cNvPr id="153" name="Google Shape;153;g10eadc7632e_2_116:notes"/>
           <p:cNvSpPr/>
           <p:nvPr>
             <p:ph idx="2" type="sldImg"/>
@@ -963,7 +964,7 @@
       </p:sp>
       <p:sp>
         <p:nvSpPr>
-          <p:cNvPr id="153" name="Google Shape;153;g10eadc7632e_2_116:notes"/>
+          <p:cNvPr id="154" name="Google Shape;154;g10eadc7632e_2_116:notes"/>
           <p:cNvSpPr txBox="1"/>
           <p:nvPr>
             <p:ph idx="1" type="body"/>
@@ -1013,7 +1014,7 @@
   <p:cSld>
     <p:spTree>
       <p:nvGrpSpPr>
-        <p:cNvPr id="159" name="Shape 159"/>
+        <p:cNvPr id="160" name="Shape 160"/>
         <p:cNvGrpSpPr/>
         <p:nvPr/>
       </p:nvGrpSpPr>
@@ -1027,7 +1028,7 @@
       </p:grpSpPr>
       <p:sp>
         <p:nvSpPr>
-          <p:cNvPr id="160" name="Google Shape;160;g10eadc7632e_2_132:notes"/>
+          <p:cNvPr id="161" name="Google Shape;161;g10eadc7632e_2_132:notes"/>
           <p:cNvSpPr/>
           <p:nvPr>
             <p:ph idx="2" type="sldImg"/>
@@ -1062,7 +1063,7 @@
       </p:sp>
       <p:sp>
         <p:nvSpPr>
-          <p:cNvPr id="161" name="Google Shape;161;g10eadc7632e_2_132:notes"/>
+          <p:cNvPr id="162" name="Google Shape;162;g10eadc7632e_2_132:notes"/>
           <p:cNvSpPr txBox="1"/>
           <p:nvPr>
             <p:ph idx="1" type="body"/>
@@ -1112,7 +1113,7 @@
   <p:cSld>
     <p:spTree>
       <p:nvGrpSpPr>
-        <p:cNvPr id="165" name="Shape 165"/>
+        <p:cNvPr id="166" name="Shape 166"/>
         <p:cNvGrpSpPr/>
         <p:nvPr/>
       </p:nvGrpSpPr>
@@ -1126,7 +1127,7 @@
       </p:grpSpPr>
       <p:sp>
         <p:nvSpPr>
-          <p:cNvPr id="166" name="Google Shape;166;g10eadc7632e_2_137:notes"/>
+          <p:cNvPr id="167" name="Google Shape;167;g10eadc7632e_2_137:notes"/>
           <p:cNvSpPr/>
           <p:nvPr>
             <p:ph idx="2" type="sldImg"/>
@@ -1161,7 +1162,7 @@
       </p:sp>
       <p:sp>
         <p:nvSpPr>
-          <p:cNvPr id="167" name="Google Shape;167;g10eadc7632e_2_137:notes"/>
+          <p:cNvPr id="168" name="Google Shape;168;g10eadc7632e_2_137:notes"/>
           <p:cNvSpPr txBox="1"/>
           <p:nvPr>
             <p:ph idx="1" type="body"/>
@@ -1211,7 +1212,7 @@
   <p:cSld>
     <p:spTree>
       <p:nvGrpSpPr>
-        <p:cNvPr id="171" name="Shape 171"/>
+        <p:cNvPr id="172" name="Shape 172"/>
         <p:cNvGrpSpPr/>
         <p:nvPr/>
       </p:nvGrpSpPr>
@@ -1225,7 +1226,7 @@
       </p:grpSpPr>
       <p:sp>
         <p:nvSpPr>
-          <p:cNvPr id="172" name="Google Shape;172;g10eadc7632e_2_142:notes"/>
+          <p:cNvPr id="173" name="Google Shape;173;g10eadc7632e_2_142:notes"/>
           <p:cNvSpPr/>
           <p:nvPr>
             <p:ph idx="2" type="sldImg"/>
@@ -1260,7 +1261,7 @@
       </p:sp>
       <p:sp>
         <p:nvSpPr>
-          <p:cNvPr id="173" name="Google Shape;173;g10eadc7632e_2_142:notes"/>
+          <p:cNvPr id="174" name="Google Shape;174;g10eadc7632e_2_142:notes"/>
           <p:cNvSpPr txBox="1"/>
           <p:nvPr>
             <p:ph idx="1" type="body"/>
@@ -1310,7 +1311,7 @@
   <p:cSld>
     <p:spTree>
       <p:nvGrpSpPr>
-        <p:cNvPr id="178" name="Shape 178"/>
+        <p:cNvPr id="179" name="Shape 179"/>
         <p:cNvGrpSpPr/>
         <p:nvPr/>
       </p:nvGrpSpPr>
@@ -1324,7 +1325,7 @@
       </p:grpSpPr>
       <p:sp>
         <p:nvSpPr>
-          <p:cNvPr id="179" name="Google Shape;179;g10eadc7632e_2_150:notes"/>
+          <p:cNvPr id="180" name="Google Shape;180;g10eadc7632e_2_150:notes"/>
           <p:cNvSpPr/>
           <p:nvPr>
             <p:ph idx="2" type="sldImg"/>
@@ -1359,7 +1360,7 @@
       </p:sp>
       <p:sp>
         <p:nvSpPr>
-          <p:cNvPr id="180" name="Google Shape;180;g10eadc7632e_2_150:notes"/>
+          <p:cNvPr id="181" name="Google Shape;181;g10eadc7632e_2_150:notes"/>
           <p:cNvSpPr txBox="1"/>
           <p:nvPr>
             <p:ph idx="1" type="body"/>
@@ -1409,7 +1410,7 @@
   <p:cSld>
     <p:spTree>
       <p:nvGrpSpPr>
-        <p:cNvPr id="185" name="Shape 185"/>
+        <p:cNvPr id="186" name="Shape 186"/>
         <p:cNvGrpSpPr/>
         <p:nvPr/>
       </p:nvGrpSpPr>
@@ -1423,7 +1424,7 @@
       </p:grpSpPr>
       <p:sp>
         <p:nvSpPr>
-          <p:cNvPr id="186" name="Google Shape;186;g10eadc7632e_2_158:notes"/>
+          <p:cNvPr id="187" name="Google Shape;187;g10eadc7632e_2_158:notes"/>
           <p:cNvSpPr/>
           <p:nvPr>
             <p:ph idx="2" type="sldImg"/>
@@ -1458,7 +1459,7 @@
       </p:sp>
       <p:sp>
         <p:nvSpPr>
-          <p:cNvPr id="187" name="Google Shape;187;g10eadc7632e_2_158:notes"/>
+          <p:cNvPr id="188" name="Google Shape;188;g10eadc7632e_2_158:notes"/>
           <p:cNvSpPr txBox="1"/>
           <p:nvPr>
             <p:ph idx="1" type="body"/>
@@ -1508,7 +1509,7 @@
   <p:cSld>
     <p:spTree>
       <p:nvGrpSpPr>
-        <p:cNvPr id="191" name="Shape 191"/>
+        <p:cNvPr id="192" name="Shape 192"/>
         <p:cNvGrpSpPr/>
         <p:nvPr/>
       </p:nvGrpSpPr>
@@ -1522,7 +1523,7 @@
       </p:grpSpPr>
       <p:sp>
         <p:nvSpPr>
-          <p:cNvPr id="192" name="Google Shape;192;g10eadc7632e_2_166:notes"/>
+          <p:cNvPr id="193" name="Google Shape;193;g10eadc7632e_2_166:notes"/>
           <p:cNvSpPr/>
           <p:nvPr>
             <p:ph idx="2" type="sldImg"/>
@@ -1557,7 +1558,7 @@
       </p:sp>
       <p:sp>
         <p:nvSpPr>
-          <p:cNvPr id="193" name="Google Shape;193;g10eadc7632e_2_166:notes"/>
+          <p:cNvPr id="194" name="Google Shape;194;g10eadc7632e_2_166:notes"/>
           <p:cNvSpPr txBox="1"/>
           <p:nvPr>
             <p:ph idx="1" type="body"/>
@@ -1602,12 +1603,12 @@
 </p:notes>
 </file>
 
-<file path=ppt/notesSlides/notesSlide2.xml><?xml version="1.0" encoding="utf-8"?>
+<file path=ppt/notesSlides/notesSlide18.xml><?xml version="1.0" encoding="utf-8"?>
 <p:notes xmlns:a="http://schemas.openxmlformats.org/drawingml/2006/main" xmlns:r="http://schemas.openxmlformats.org/officeDocument/2006/relationships" xmlns:mc="http://schemas.openxmlformats.org/markup-compatibility/2006" xmlns:mv="urn:schemas-microsoft-com:mac:vml" xmlns:p="http://schemas.openxmlformats.org/presentationml/2006/main" xmlns:c="http://schemas.openxmlformats.org/drawingml/2006/chart" xmlns:dgm="http://schemas.openxmlformats.org/drawingml/2006/diagram" xmlns:o="urn:schemas-microsoft-com:office:office" xmlns:v="urn:schemas-microsoft-com:vml" xmlns:pvml="urn:schemas-microsoft-com:office:powerpoint" xmlns:com="http://schemas.openxmlformats.org/drawingml/2006/compatibility" xmlns:p14="http://schemas.microsoft.com/office/powerpoint/2010/main" xmlns:p15="http://schemas.microsoft.com/office/powerpoint/2012/main" xmlns:ahyp="http://schemas.microsoft.com/office/drawing/2018/hyperlinkcolor" showMasterPhAnim="0" showMasterSp="0">
   <p:cSld>
     <p:spTree>
       <p:nvGrpSpPr>
-        <p:cNvPr id="87" name="Shape 87"/>
+        <p:cNvPr id="198" name="Shape 198"/>
         <p:cNvGrpSpPr/>
         <p:nvPr/>
       </p:nvGrpSpPr>
@@ -1621,7 +1622,7 @@
       </p:grpSpPr>
       <p:sp>
         <p:nvSpPr>
-          <p:cNvPr id="88" name="Google Shape;88;g10eadc7632e_2_40:notes"/>
+          <p:cNvPr id="199" name="Google Shape;199;g10c48f364bd_0_0:notes"/>
           <p:cNvSpPr/>
           <p:nvPr>
             <p:ph idx="2" type="sldImg"/>
@@ -1656,7 +1657,7 @@
       </p:sp>
       <p:sp>
         <p:nvSpPr>
-          <p:cNvPr id="89" name="Google Shape;89;g10eadc7632e_2_40:notes"/>
+          <p:cNvPr id="200" name="Google Shape;200;g10c48f364bd_0_0:notes"/>
           <p:cNvSpPr txBox="1"/>
           <p:nvPr>
             <p:ph idx="1" type="body"/>
@@ -1701,12 +1702,12 @@
 </p:notes>
 </file>
 
-<file path=ppt/notesSlides/notesSlide3.xml><?xml version="1.0" encoding="utf-8"?>
+<file path=ppt/notesSlides/notesSlide2.xml><?xml version="1.0" encoding="utf-8"?>
 <p:notes xmlns:a="http://schemas.openxmlformats.org/drawingml/2006/main" xmlns:r="http://schemas.openxmlformats.org/officeDocument/2006/relationships" xmlns:mc="http://schemas.openxmlformats.org/markup-compatibility/2006" xmlns:mv="urn:schemas-microsoft-com:mac:vml" xmlns:p="http://schemas.openxmlformats.org/presentationml/2006/main" xmlns:c="http://schemas.openxmlformats.org/drawingml/2006/chart" xmlns:dgm="http://schemas.openxmlformats.org/drawingml/2006/diagram" xmlns:o="urn:schemas-microsoft-com:office:office" xmlns:v="urn:schemas-microsoft-com:vml" xmlns:pvml="urn:schemas-microsoft-com:office:powerpoint" xmlns:com="http://schemas.openxmlformats.org/drawingml/2006/compatibility" xmlns:p14="http://schemas.microsoft.com/office/powerpoint/2010/main" xmlns:p15="http://schemas.microsoft.com/office/powerpoint/2012/main" xmlns:ahyp="http://schemas.microsoft.com/office/drawing/2018/hyperlinkcolor" showMasterPhAnim="0" showMasterSp="0">
   <p:cSld>
     <p:spTree>
       <p:nvGrpSpPr>
-        <p:cNvPr id="93" name="Shape 93"/>
+        <p:cNvPr id="88" name="Shape 88"/>
         <p:cNvGrpSpPr/>
         <p:nvPr/>
       </p:nvGrpSpPr>
@@ -1720,7 +1721,7 @@
       </p:grpSpPr>
       <p:sp>
         <p:nvSpPr>
-          <p:cNvPr id="94" name="Google Shape;94;g10eadc7632e_2_48:notes"/>
+          <p:cNvPr id="89" name="Google Shape;89;g10eadc7632e_2_40:notes"/>
           <p:cNvSpPr/>
           <p:nvPr>
             <p:ph idx="2" type="sldImg"/>
@@ -1755,7 +1756,7 @@
       </p:sp>
       <p:sp>
         <p:nvSpPr>
-          <p:cNvPr id="95" name="Google Shape;95;g10eadc7632e_2_48:notes"/>
+          <p:cNvPr id="90" name="Google Shape;90;g10eadc7632e_2_40:notes"/>
           <p:cNvSpPr txBox="1"/>
           <p:nvPr>
             <p:ph idx="1" type="body"/>
@@ -1800,12 +1801,12 @@
 </p:notes>
 </file>
 
-<file path=ppt/notesSlides/notesSlide4.xml><?xml version="1.0" encoding="utf-8"?>
+<file path=ppt/notesSlides/notesSlide3.xml><?xml version="1.0" encoding="utf-8"?>
 <p:notes xmlns:a="http://schemas.openxmlformats.org/drawingml/2006/main" xmlns:r="http://schemas.openxmlformats.org/officeDocument/2006/relationships" xmlns:mc="http://schemas.openxmlformats.org/markup-compatibility/2006" xmlns:mv="urn:schemas-microsoft-com:mac:vml" xmlns:p="http://schemas.openxmlformats.org/presentationml/2006/main" xmlns:c="http://schemas.openxmlformats.org/drawingml/2006/chart" xmlns:dgm="http://schemas.openxmlformats.org/drawingml/2006/diagram" xmlns:o="urn:schemas-microsoft-com:office:office" xmlns:v="urn:schemas-microsoft-com:vml" xmlns:pvml="urn:schemas-microsoft-com:office:powerpoint" xmlns:com="http://schemas.openxmlformats.org/drawingml/2006/compatibility" xmlns:p14="http://schemas.microsoft.com/office/powerpoint/2010/main" xmlns:p15="http://schemas.microsoft.com/office/powerpoint/2012/main" xmlns:ahyp="http://schemas.microsoft.com/office/drawing/2018/hyperlinkcolor" showMasterPhAnim="0" showMasterSp="0">
   <p:cSld>
     <p:spTree>
       <p:nvGrpSpPr>
-        <p:cNvPr id="99" name="Shape 99"/>
+        <p:cNvPr id="94" name="Shape 94"/>
         <p:cNvGrpSpPr/>
         <p:nvPr/>
       </p:nvGrpSpPr>
@@ -1819,7 +1820,7 @@
       </p:grpSpPr>
       <p:sp>
         <p:nvSpPr>
-          <p:cNvPr id="100" name="Google Shape;100;g10eadc7632e_2_53:notes"/>
+          <p:cNvPr id="95" name="Google Shape;95;g10eadc7632e_2_48:notes"/>
           <p:cNvSpPr/>
           <p:nvPr>
             <p:ph idx="2" type="sldImg"/>
@@ -1854,7 +1855,7 @@
       </p:sp>
       <p:sp>
         <p:nvSpPr>
-          <p:cNvPr id="101" name="Google Shape;101;g10eadc7632e_2_53:notes"/>
+          <p:cNvPr id="96" name="Google Shape;96;g10eadc7632e_2_48:notes"/>
           <p:cNvSpPr txBox="1"/>
           <p:nvPr>
             <p:ph idx="1" type="body"/>
@@ -1899,12 +1900,12 @@
 </p:notes>
 </file>
 
-<file path=ppt/notesSlides/notesSlide5.xml><?xml version="1.0" encoding="utf-8"?>
+<file path=ppt/notesSlides/notesSlide4.xml><?xml version="1.0" encoding="utf-8"?>
 <p:notes xmlns:a="http://schemas.openxmlformats.org/drawingml/2006/main" xmlns:r="http://schemas.openxmlformats.org/officeDocument/2006/relationships" xmlns:mc="http://schemas.openxmlformats.org/markup-compatibility/2006" xmlns:mv="urn:schemas-microsoft-com:mac:vml" xmlns:p="http://schemas.openxmlformats.org/presentationml/2006/main" xmlns:c="http://schemas.openxmlformats.org/drawingml/2006/chart" xmlns:dgm="http://schemas.openxmlformats.org/drawingml/2006/diagram" xmlns:o="urn:schemas-microsoft-com:office:office" xmlns:v="urn:schemas-microsoft-com:vml" xmlns:pvml="urn:schemas-microsoft-com:office:powerpoint" xmlns:com="http://schemas.openxmlformats.org/drawingml/2006/compatibility" xmlns:p14="http://schemas.microsoft.com/office/powerpoint/2010/main" xmlns:p15="http://schemas.microsoft.com/office/powerpoint/2012/main" xmlns:ahyp="http://schemas.microsoft.com/office/drawing/2018/hyperlinkcolor" showMasterPhAnim="0" showMasterSp="0">
   <p:cSld>
     <p:spTree>
       <p:nvGrpSpPr>
-        <p:cNvPr id="105" name="Shape 105"/>
+        <p:cNvPr id="100" name="Shape 100"/>
         <p:cNvGrpSpPr/>
         <p:nvPr/>
       </p:nvGrpSpPr>
@@ -1918,7 +1919,7 @@
       </p:grpSpPr>
       <p:sp>
         <p:nvSpPr>
-          <p:cNvPr id="106" name="Google Shape;106;g10eadc7632e_2_60:notes"/>
+          <p:cNvPr id="101" name="Google Shape;101;g10eadc7632e_2_53:notes"/>
           <p:cNvSpPr/>
           <p:nvPr>
             <p:ph idx="2" type="sldImg"/>
@@ -1953,7 +1954,7 @@
       </p:sp>
       <p:sp>
         <p:nvSpPr>
-          <p:cNvPr id="107" name="Google Shape;107;g10eadc7632e_2_60:notes"/>
+          <p:cNvPr id="102" name="Google Shape;102;g10eadc7632e_2_53:notes"/>
           <p:cNvSpPr txBox="1"/>
           <p:nvPr>
             <p:ph idx="1" type="body"/>
@@ -1998,12 +1999,12 @@
 </p:notes>
 </file>
 
-<file path=ppt/notesSlides/notesSlide6.xml><?xml version="1.0" encoding="utf-8"?>
+<file path=ppt/notesSlides/notesSlide5.xml><?xml version="1.0" encoding="utf-8"?>
 <p:notes xmlns:a="http://schemas.openxmlformats.org/drawingml/2006/main" xmlns:r="http://schemas.openxmlformats.org/officeDocument/2006/relationships" xmlns:mc="http://schemas.openxmlformats.org/markup-compatibility/2006" xmlns:mv="urn:schemas-microsoft-com:mac:vml" xmlns:p="http://schemas.openxmlformats.org/presentationml/2006/main" xmlns:c="http://schemas.openxmlformats.org/drawingml/2006/chart" xmlns:dgm="http://schemas.openxmlformats.org/drawingml/2006/diagram" xmlns:o="urn:schemas-microsoft-com:office:office" xmlns:v="urn:schemas-microsoft-com:vml" xmlns:pvml="urn:schemas-microsoft-com:office:powerpoint" xmlns:com="http://schemas.openxmlformats.org/drawingml/2006/compatibility" xmlns:p14="http://schemas.microsoft.com/office/powerpoint/2010/main" xmlns:p15="http://schemas.microsoft.com/office/powerpoint/2012/main" xmlns:ahyp="http://schemas.microsoft.com/office/drawing/2018/hyperlinkcolor" showMasterPhAnim="0" showMasterSp="0">
   <p:cSld>
     <p:spTree>
       <p:nvGrpSpPr>
-        <p:cNvPr id="111" name="Shape 111"/>
+        <p:cNvPr id="106" name="Shape 106"/>
         <p:cNvGrpSpPr/>
         <p:nvPr/>
       </p:nvGrpSpPr>
@@ -2017,7 +2018,7 @@
       </p:grpSpPr>
       <p:sp>
         <p:nvSpPr>
-          <p:cNvPr id="112" name="Google Shape;112;g10eadc7632e_2_65:notes"/>
+          <p:cNvPr id="107" name="Google Shape;107;g10eadc7632e_2_60:notes"/>
           <p:cNvSpPr/>
           <p:nvPr>
             <p:ph idx="2" type="sldImg"/>
@@ -2052,7 +2053,7 @@
       </p:sp>
       <p:sp>
         <p:nvSpPr>
-          <p:cNvPr id="113" name="Google Shape;113;g10eadc7632e_2_65:notes"/>
+          <p:cNvPr id="108" name="Google Shape;108;g10eadc7632e_2_60:notes"/>
           <p:cNvSpPr txBox="1"/>
           <p:nvPr>
             <p:ph idx="1" type="body"/>
@@ -2097,12 +2098,12 @@
 </p:notes>
 </file>
 
-<file path=ppt/notesSlides/notesSlide7.xml><?xml version="1.0" encoding="utf-8"?>
+<file path=ppt/notesSlides/notesSlide6.xml><?xml version="1.0" encoding="utf-8"?>
 <p:notes xmlns:a="http://schemas.openxmlformats.org/drawingml/2006/main" xmlns:r="http://schemas.openxmlformats.org/officeDocument/2006/relationships" xmlns:mc="http://schemas.openxmlformats.org/markup-compatibility/2006" xmlns:mv="urn:schemas-microsoft-com:mac:vml" xmlns:p="http://schemas.openxmlformats.org/presentationml/2006/main" xmlns:c="http://schemas.openxmlformats.org/drawingml/2006/chart" xmlns:dgm="http://schemas.openxmlformats.org/drawingml/2006/diagram" xmlns:o="urn:schemas-microsoft-com:office:office" xmlns:v="urn:schemas-microsoft-com:vml" xmlns:pvml="urn:schemas-microsoft-com:office:powerpoint" xmlns:com="http://schemas.openxmlformats.org/drawingml/2006/compatibility" xmlns:p14="http://schemas.microsoft.com/office/powerpoint/2010/main" xmlns:p15="http://schemas.microsoft.com/office/powerpoint/2012/main" xmlns:ahyp="http://schemas.microsoft.com/office/drawing/2018/hyperlinkcolor" showMasterPhAnim="0" showMasterSp="0">
   <p:cSld>
     <p:spTree>
       <p:nvGrpSpPr>
-        <p:cNvPr id="119" name="Shape 119"/>
+        <p:cNvPr id="112" name="Shape 112"/>
         <p:cNvGrpSpPr/>
         <p:nvPr/>
       </p:nvGrpSpPr>
@@ -2116,7 +2117,7 @@
       </p:grpSpPr>
       <p:sp>
         <p:nvSpPr>
-          <p:cNvPr id="120" name="Google Shape;120;g10eadc7632e_2_77:notes"/>
+          <p:cNvPr id="113" name="Google Shape;113;g10eadc7632e_2_65:notes"/>
           <p:cNvSpPr/>
           <p:nvPr>
             <p:ph idx="2" type="sldImg"/>
@@ -2151,7 +2152,7 @@
       </p:sp>
       <p:sp>
         <p:nvSpPr>
-          <p:cNvPr id="121" name="Google Shape;121;g10eadc7632e_2_77:notes"/>
+          <p:cNvPr id="114" name="Google Shape;114;g10eadc7632e_2_65:notes"/>
           <p:cNvSpPr txBox="1"/>
           <p:nvPr>
             <p:ph idx="1" type="body"/>
@@ -2196,12 +2197,12 @@
 </p:notes>
 </file>
 
-<file path=ppt/notesSlides/notesSlide8.xml><?xml version="1.0" encoding="utf-8"?>
+<file path=ppt/notesSlides/notesSlide7.xml><?xml version="1.0" encoding="utf-8"?>
 <p:notes xmlns:a="http://schemas.openxmlformats.org/drawingml/2006/main" xmlns:r="http://schemas.openxmlformats.org/officeDocument/2006/relationships" xmlns:mc="http://schemas.openxmlformats.org/markup-compatibility/2006" xmlns:mv="urn:schemas-microsoft-com:mac:vml" xmlns:p="http://schemas.openxmlformats.org/presentationml/2006/main" xmlns:c="http://schemas.openxmlformats.org/drawingml/2006/chart" xmlns:dgm="http://schemas.openxmlformats.org/drawingml/2006/diagram" xmlns:o="urn:schemas-microsoft-com:office:office" xmlns:v="urn:schemas-microsoft-com:vml" xmlns:pvml="urn:schemas-microsoft-com:office:powerpoint" xmlns:com="http://schemas.openxmlformats.org/drawingml/2006/compatibility" xmlns:p14="http://schemas.microsoft.com/office/powerpoint/2010/main" xmlns:p15="http://schemas.microsoft.com/office/powerpoint/2012/main" xmlns:ahyp="http://schemas.microsoft.com/office/drawing/2018/hyperlinkcolor" showMasterPhAnim="0" showMasterSp="0">
   <p:cSld>
     <p:spTree>
       <p:nvGrpSpPr>
-        <p:cNvPr id="127" name="Shape 127"/>
+        <p:cNvPr id="120" name="Shape 120"/>
         <p:cNvGrpSpPr/>
         <p:nvPr/>
       </p:nvGrpSpPr>
@@ -2215,7 +2216,7 @@
       </p:grpSpPr>
       <p:sp>
         <p:nvSpPr>
-          <p:cNvPr id="128" name="Google Shape;128;g10eadc7632e_2_89:notes"/>
+          <p:cNvPr id="121" name="Google Shape;121;g10eadc7632e_2_77:notes"/>
           <p:cNvSpPr/>
           <p:nvPr>
             <p:ph idx="2" type="sldImg"/>
@@ -2250,7 +2251,7 @@
       </p:sp>
       <p:sp>
         <p:nvSpPr>
-          <p:cNvPr id="129" name="Google Shape;129;g10eadc7632e_2_89:notes"/>
+          <p:cNvPr id="122" name="Google Shape;122;g10eadc7632e_2_77:notes"/>
           <p:cNvSpPr txBox="1"/>
           <p:nvPr>
             <p:ph idx="1" type="body"/>
@@ -2295,12 +2296,12 @@
 </p:notes>
 </file>
 
-<file path=ppt/notesSlides/notesSlide9.xml><?xml version="1.0" encoding="utf-8"?>
+<file path=ppt/notesSlides/notesSlide8.xml><?xml version="1.0" encoding="utf-8"?>
 <p:notes xmlns:a="http://schemas.openxmlformats.org/drawingml/2006/main" xmlns:r="http://schemas.openxmlformats.org/officeDocument/2006/relationships" xmlns:mc="http://schemas.openxmlformats.org/markup-compatibility/2006" xmlns:mv="urn:schemas-microsoft-com:mac:vml" xmlns:p="http://schemas.openxmlformats.org/presentationml/2006/main" xmlns:c="http://schemas.openxmlformats.org/drawingml/2006/chart" xmlns:dgm="http://schemas.openxmlformats.org/drawingml/2006/diagram" xmlns:o="urn:schemas-microsoft-com:office:office" xmlns:v="urn:schemas-microsoft-com:vml" xmlns:pvml="urn:schemas-microsoft-com:office:powerpoint" xmlns:com="http://schemas.openxmlformats.org/drawingml/2006/compatibility" xmlns:p14="http://schemas.microsoft.com/office/powerpoint/2010/main" xmlns:p15="http://schemas.microsoft.com/office/powerpoint/2012/main" xmlns:ahyp="http://schemas.microsoft.com/office/drawing/2018/hyperlinkcolor" showMasterPhAnim="0" showMasterSp="0">
   <p:cSld>
     <p:spTree>
       <p:nvGrpSpPr>
-        <p:cNvPr id="135" name="Shape 135"/>
+        <p:cNvPr id="128" name="Shape 128"/>
         <p:cNvGrpSpPr/>
         <p:nvPr/>
       </p:nvGrpSpPr>
@@ -2314,7 +2315,7 @@
       </p:grpSpPr>
       <p:sp>
         <p:nvSpPr>
-          <p:cNvPr id="136" name="Google Shape;136;g10eadc7632e_2_99:notes"/>
+          <p:cNvPr id="129" name="Google Shape;129;g10eadc7632e_2_89:notes"/>
           <p:cNvSpPr/>
           <p:nvPr>
             <p:ph idx="2" type="sldImg"/>
@@ -2349,7 +2350,106 @@
       </p:sp>
       <p:sp>
         <p:nvSpPr>
+          <p:cNvPr id="130" name="Google Shape;130;g10eadc7632e_2_89:notes"/>
+          <p:cNvSpPr txBox="1"/>
+          <p:nvPr>
+            <p:ph idx="1" type="body"/>
+          </p:nvPr>
+        </p:nvSpPr>
+        <p:spPr>
+          <a:xfrm>
+            <a:off x="685800" y="4343400"/>
+            <a:ext cx="5486400" cy="4114800"/>
+          </a:xfrm>
+          <a:prstGeom prst="rect">
+            <a:avLst/>
+          </a:prstGeom>
+        </p:spPr>
+        <p:txBody>
+          <a:bodyPr anchorCtr="0" anchor="t" bIns="91425" lIns="91425" spcFirstLastPara="1" rIns="91425" wrap="square" tIns="91425">
+            <a:noAutofit/>
+          </a:bodyPr>
+          <a:lstStyle/>
+          <a:p>
+            <a:pPr indent="0" lvl="0" marL="0" rtl="0" algn="l">
+              <a:spcBef>
+                <a:spcPts val="0"/>
+              </a:spcBef>
+              <a:spcAft>
+                <a:spcPts val="0"/>
+              </a:spcAft>
+              <a:buNone/>
+            </a:pPr>
+            <a:r>
+              <a:t/>
+            </a:r>
+            <a:endParaRPr/>
+          </a:p>
+        </p:txBody>
+      </p:sp>
+    </p:spTree>
+  </p:cSld>
+  <p:clrMapOvr>
+    <a:masterClrMapping/>
+  </p:clrMapOvr>
+</p:notes>
+</file>
+
+<file path=ppt/notesSlides/notesSlide9.xml><?xml version="1.0" encoding="utf-8"?>
+<p:notes xmlns:a="http://schemas.openxmlformats.org/drawingml/2006/main" xmlns:r="http://schemas.openxmlformats.org/officeDocument/2006/relationships" xmlns:mc="http://schemas.openxmlformats.org/markup-compatibility/2006" xmlns:mv="urn:schemas-microsoft-com:mac:vml" xmlns:p="http://schemas.openxmlformats.org/presentationml/2006/main" xmlns:c="http://schemas.openxmlformats.org/drawingml/2006/chart" xmlns:dgm="http://schemas.openxmlformats.org/drawingml/2006/diagram" xmlns:o="urn:schemas-microsoft-com:office:office" xmlns:v="urn:schemas-microsoft-com:vml" xmlns:pvml="urn:schemas-microsoft-com:office:powerpoint" xmlns:com="http://schemas.openxmlformats.org/drawingml/2006/compatibility" xmlns:p14="http://schemas.microsoft.com/office/powerpoint/2010/main" xmlns:p15="http://schemas.microsoft.com/office/powerpoint/2012/main" xmlns:ahyp="http://schemas.microsoft.com/office/drawing/2018/hyperlinkcolor" showMasterPhAnim="0" showMasterSp="0">
+  <p:cSld>
+    <p:spTree>
+      <p:nvGrpSpPr>
+        <p:cNvPr id="136" name="Shape 136"/>
+        <p:cNvGrpSpPr/>
+        <p:nvPr/>
+      </p:nvGrpSpPr>
+      <p:grpSpPr>
+        <a:xfrm>
+          <a:off x="0" y="0"/>
+          <a:ext cx="0" cy="0"/>
+          <a:chOff x="0" y="0"/>
+          <a:chExt cx="0" cy="0"/>
+        </a:xfrm>
+      </p:grpSpPr>
+      <p:sp>
+        <p:nvSpPr>
           <p:cNvPr id="137" name="Google Shape;137;g10eadc7632e_2_99:notes"/>
+          <p:cNvSpPr/>
+          <p:nvPr>
+            <p:ph idx="2" type="sldImg"/>
+          </p:nvPr>
+        </p:nvSpPr>
+        <p:spPr>
+          <a:xfrm>
+            <a:off x="381300" y="685800"/>
+            <a:ext cx="6096000" cy="3429000"/>
+          </a:xfrm>
+          <a:custGeom>
+            <a:rect b="b" l="l" r="r" t="t"/>
+            <a:pathLst>
+              <a:path extrusionOk="0" h="120000" w="120000">
+                <a:moveTo>
+                  <a:pt x="0" y="0"/>
+                </a:moveTo>
+                <a:lnTo>
+                  <a:pt x="120000" y="0"/>
+                </a:lnTo>
+                <a:lnTo>
+                  <a:pt x="120000" y="120000"/>
+                </a:lnTo>
+                <a:lnTo>
+                  <a:pt x="0" y="120000"/>
+                </a:lnTo>
+                <a:close/>
+              </a:path>
+            </a:pathLst>
+          </a:custGeom>
+        </p:spPr>
+      </p:sp>
+      <p:sp>
+        <p:nvSpPr>
+          <p:cNvPr id="138" name="Google Shape;138;g10eadc7632e_2_99:notes"/>
           <p:cNvSpPr txBox="1"/>
           <p:nvPr>
             <p:ph idx="1" type="body"/>
@@ -9021,7 +9121,7 @@
         </p:nvSpPr>
         <p:spPr>
           <a:xfrm>
-            <a:off x="598100" y="1775222"/>
+            <a:off x="552975" y="1342097"/>
             <a:ext cx="8222100" cy="838800"/>
           </a:xfrm>
           <a:prstGeom prst="rect">
@@ -9030,7 +9130,7 @@
         </p:spPr>
         <p:txBody>
           <a:bodyPr anchorCtr="0" anchor="b" bIns="91425" lIns="91425" spcFirstLastPara="1" rIns="91425" wrap="square" tIns="91425">
-            <a:normAutofit fontScale="90000"/>
+            <a:noAutofit/>
           </a:bodyPr>
           <a:lstStyle/>
           <a:p>
@@ -9041,13 +9141,14 @@
               <a:spcAft>
                 <a:spcPts val="0"/>
               </a:spcAft>
+              <a:buSzPts val="990"/>
               <a:buNone/>
             </a:pPr>
             <a:r>
-              <a:rPr lang="en"/>
+              <a:rPr lang="en" sz="3380"/>
               <a:t>Product Recommender for Online Stores</a:t>
             </a:r>
-            <a:endParaRPr/>
+            <a:endParaRPr sz="3380"/>
           </a:p>
         </p:txBody>
       </p:sp>
@@ -9061,7 +9162,78 @@
         </p:nvSpPr>
         <p:spPr>
           <a:xfrm>
-            <a:off x="598088" y="2715913"/>
+            <a:off x="552975" y="2318870"/>
+            <a:ext cx="8222100" cy="1124700"/>
+          </a:xfrm>
+          <a:prstGeom prst="rect">
+            <a:avLst/>
+          </a:prstGeom>
+        </p:spPr>
+        <p:txBody>
+          <a:bodyPr anchorCtr="0" anchor="t" bIns="91425" lIns="91425" spcFirstLastPara="1" rIns="91425" wrap="square" tIns="91425">
+            <a:normAutofit/>
+          </a:bodyPr>
+          <a:lstStyle/>
+          <a:p>
+            <a:pPr indent="0" lvl="0" marL="0" rtl="0" algn="l">
+              <a:spcBef>
+                <a:spcPts val="0"/>
+              </a:spcBef>
+              <a:spcAft>
+                <a:spcPts val="0"/>
+              </a:spcAft>
+              <a:buNone/>
+            </a:pPr>
+            <a:r>
+              <a:rPr lang="en" sz="1800"/>
+              <a:t>Capstone Project </a:t>
+            </a:r>
+            <a:endParaRPr sz="1800"/>
+          </a:p>
+          <a:p>
+            <a:pPr indent="0" lvl="0" marL="0" rtl="0" algn="l">
+              <a:spcBef>
+                <a:spcPts val="0"/>
+              </a:spcBef>
+              <a:spcAft>
+                <a:spcPts val="0"/>
+              </a:spcAft>
+              <a:buNone/>
+            </a:pPr>
+            <a:r>
+              <a:t/>
+            </a:r>
+            <a:endParaRPr/>
+          </a:p>
+          <a:p>
+            <a:pPr indent="0" lvl="0" marL="0" rtl="0" algn="l">
+              <a:spcBef>
+                <a:spcPts val="0"/>
+              </a:spcBef>
+              <a:spcAft>
+                <a:spcPts val="0"/>
+              </a:spcAft>
+              <a:buNone/>
+            </a:pPr>
+            <a:r>
+              <a:rPr lang="en" sz="1800"/>
+              <a:t>Data Science Career Track, Springboard</a:t>
+            </a:r>
+            <a:endParaRPr sz="1800"/>
+          </a:p>
+        </p:txBody>
+      </p:sp>
+      <p:sp>
+        <p:nvSpPr>
+          <p:cNvPr id="87" name="Google Shape;87;p13"/>
+          <p:cNvSpPr txBox="1"/>
+          <p:nvPr>
+            <p:ph idx="1" type="subTitle"/>
+          </p:nvPr>
+        </p:nvSpPr>
+        <p:spPr>
+          <a:xfrm>
+            <a:off x="552963" y="3581538"/>
             <a:ext cx="8222100" cy="432900"/>
           </a:xfrm>
           <a:prstGeom prst="rect">
@@ -9070,23 +9242,28 @@
         </p:spPr>
         <p:txBody>
           <a:bodyPr anchorCtr="0" anchor="t" bIns="91425" lIns="91425" spcFirstLastPara="1" rIns="91425" wrap="square" tIns="91425">
-            <a:normAutofit fontScale="92500" lnSpcReduction="20000"/>
+            <a:normAutofit/>
           </a:bodyPr>
           <a:lstStyle/>
           <a:p>
             <a:pPr indent="0" lvl="0" marL="0" rtl="0" algn="l">
-              <a:spcBef>
-                <a:spcPts val="0"/>
-              </a:spcBef>
-              <a:spcAft>
-                <a:spcPts val="0"/>
-              </a:spcAft>
+              <a:lnSpc>
+                <a:spcPct val="80000"/>
+              </a:lnSpc>
+              <a:spcBef>
+                <a:spcPts val="0"/>
+              </a:spcBef>
+              <a:spcAft>
+                <a:spcPts val="0"/>
+              </a:spcAft>
+              <a:buSzPts val="1018"/>
               <a:buNone/>
             </a:pPr>
             <a:r>
-              <a:t/>
-            </a:r>
-            <a:endParaRPr/>
+              <a:rPr lang="en" sz="1542"/>
+              <a:t>Thanks to mentor Julian Jenkins III</a:t>
+            </a:r>
+            <a:endParaRPr sz="1442"/>
           </a:p>
         </p:txBody>
       </p:sp>
@@ -9103,7 +9280,7 @@
   <p:cSld>
     <p:spTree>
       <p:nvGrpSpPr>
-        <p:cNvPr id="146" name="Shape 146"/>
+        <p:cNvPr id="147" name="Shape 147"/>
         <p:cNvGrpSpPr/>
         <p:nvPr/>
       </p:nvGrpSpPr>
@@ -9117,7 +9294,7 @@
       </p:grpSpPr>
       <p:sp>
         <p:nvSpPr>
-          <p:cNvPr id="147" name="Google Shape;147;p22"/>
+          <p:cNvPr id="148" name="Google Shape;148;p22"/>
           <p:cNvSpPr txBox="1"/>
           <p:nvPr/>
         </p:nvSpPr>
@@ -9175,7 +9352,7 @@
       </p:sp>
       <p:sp>
         <p:nvSpPr>
-          <p:cNvPr id="148" name="Google Shape;148;p22"/>
+          <p:cNvPr id="149" name="Google Shape;149;p22"/>
           <p:cNvSpPr txBox="1"/>
           <p:nvPr/>
         </p:nvSpPr>
@@ -9233,7 +9410,7 @@
       </p:sp>
       <p:sp>
         <p:nvSpPr>
-          <p:cNvPr id="149" name="Google Shape;149;p22"/>
+          <p:cNvPr id="150" name="Google Shape;150;p22"/>
           <p:cNvSpPr txBox="1"/>
           <p:nvPr/>
         </p:nvSpPr>
@@ -9474,7 +9651,7 @@
       </p:sp>
       <p:pic>
         <p:nvPicPr>
-          <p:cNvPr id="150" name="Google Shape;150;p22"/>
+          <p:cNvPr id="151" name="Google Shape;151;p22"/>
           <p:cNvPicPr preferRelativeResize="0"/>
           <p:nvPr/>
         </p:nvPicPr>
@@ -9513,7 +9690,7 @@
   <p:cSld>
     <p:spTree>
       <p:nvGrpSpPr>
-        <p:cNvPr id="154" name="Shape 154"/>
+        <p:cNvPr id="155" name="Shape 155"/>
         <p:cNvGrpSpPr/>
         <p:nvPr/>
       </p:nvGrpSpPr>
@@ -9527,7 +9704,7 @@
       </p:grpSpPr>
       <p:sp>
         <p:nvSpPr>
-          <p:cNvPr id="155" name="Google Shape;155;p23"/>
+          <p:cNvPr id="156" name="Google Shape;156;p23"/>
           <p:cNvSpPr txBox="1"/>
           <p:nvPr/>
         </p:nvSpPr>
@@ -9585,7 +9762,7 @@
       </p:sp>
       <p:sp>
         <p:nvSpPr>
-          <p:cNvPr id="156" name="Google Shape;156;p23"/>
+          <p:cNvPr id="157" name="Google Shape;157;p23"/>
           <p:cNvSpPr txBox="1"/>
           <p:nvPr/>
         </p:nvSpPr>
@@ -9643,7 +9820,7 @@
       </p:sp>
       <p:sp>
         <p:nvSpPr>
-          <p:cNvPr id="157" name="Google Shape;157;p23"/>
+          <p:cNvPr id="158" name="Google Shape;158;p23"/>
           <p:cNvSpPr txBox="1"/>
           <p:nvPr/>
         </p:nvSpPr>
@@ -9868,7 +10045,7 @@
       </p:sp>
       <p:pic>
         <p:nvPicPr>
-          <p:cNvPr id="158" name="Google Shape;158;p23"/>
+          <p:cNvPr id="159" name="Google Shape;159;p23"/>
           <p:cNvPicPr preferRelativeResize="0"/>
           <p:nvPr/>
         </p:nvPicPr>
@@ -9907,7 +10084,7 @@
   <p:cSld>
     <p:spTree>
       <p:nvGrpSpPr>
-        <p:cNvPr id="162" name="Shape 162"/>
+        <p:cNvPr id="163" name="Shape 163"/>
         <p:cNvGrpSpPr/>
         <p:nvPr/>
       </p:nvGrpSpPr>
@@ -9921,7 +10098,7 @@
       </p:grpSpPr>
       <p:sp>
         <p:nvSpPr>
-          <p:cNvPr id="163" name="Google Shape;163;p24"/>
+          <p:cNvPr id="164" name="Google Shape;164;p24"/>
           <p:cNvSpPr txBox="1"/>
           <p:nvPr/>
         </p:nvSpPr>
@@ -10780,7 +10957,7 @@
       </p:sp>
       <p:sp>
         <p:nvSpPr>
-          <p:cNvPr id="164" name="Google Shape;164;p24"/>
+          <p:cNvPr id="165" name="Google Shape;165;p24"/>
           <p:cNvSpPr txBox="1"/>
           <p:nvPr/>
         </p:nvSpPr>
@@ -10846,7 +11023,7 @@
   <p:cSld>
     <p:spTree>
       <p:nvGrpSpPr>
-        <p:cNvPr id="168" name="Shape 168"/>
+        <p:cNvPr id="169" name="Shape 169"/>
         <p:cNvGrpSpPr/>
         <p:nvPr/>
       </p:nvGrpSpPr>
@@ -10860,7 +11037,7 @@
       </p:grpSpPr>
       <p:sp>
         <p:nvSpPr>
-          <p:cNvPr id="169" name="Google Shape;169;p25"/>
+          <p:cNvPr id="170" name="Google Shape;170;p25"/>
           <p:cNvSpPr txBox="1"/>
           <p:nvPr/>
         </p:nvSpPr>
@@ -11343,7 +11520,7 @@
       </p:sp>
       <p:sp>
         <p:nvSpPr>
-          <p:cNvPr id="170" name="Google Shape;170;p25"/>
+          <p:cNvPr id="171" name="Google Shape;171;p25"/>
           <p:cNvSpPr txBox="1"/>
           <p:nvPr/>
         </p:nvSpPr>
@@ -11409,7 +11586,7 @@
   <p:cSld>
     <p:spTree>
       <p:nvGrpSpPr>
-        <p:cNvPr id="174" name="Shape 174"/>
+        <p:cNvPr id="175" name="Shape 175"/>
         <p:cNvGrpSpPr/>
         <p:nvPr/>
       </p:nvGrpSpPr>
@@ -11423,7 +11600,7 @@
       </p:grpSpPr>
       <p:sp>
         <p:nvSpPr>
-          <p:cNvPr id="175" name="Google Shape;175;p26"/>
+          <p:cNvPr id="176" name="Google Shape;176;p26"/>
           <p:cNvSpPr txBox="1"/>
           <p:nvPr/>
         </p:nvSpPr>
@@ -11569,7 +11746,7 @@
       </p:sp>
       <p:sp>
         <p:nvSpPr>
-          <p:cNvPr id="176" name="Google Shape;176;p26"/>
+          <p:cNvPr id="177" name="Google Shape;177;p26"/>
           <p:cNvSpPr txBox="1"/>
           <p:nvPr/>
         </p:nvSpPr>
@@ -11624,7 +11801,7 @@
       </p:sp>
       <p:pic>
         <p:nvPicPr>
-          <p:cNvPr id="177" name="Google Shape;177;p26"/>
+          <p:cNvPr id="178" name="Google Shape;178;p26"/>
           <p:cNvPicPr preferRelativeResize="0"/>
           <p:nvPr/>
         </p:nvPicPr>
@@ -11663,7 +11840,7 @@
   <p:cSld>
     <p:spTree>
       <p:nvGrpSpPr>
-        <p:cNvPr id="181" name="Shape 181"/>
+        <p:cNvPr id="182" name="Shape 182"/>
         <p:cNvGrpSpPr/>
         <p:nvPr/>
       </p:nvGrpSpPr>
@@ -11677,7 +11854,7 @@
       </p:grpSpPr>
       <p:sp>
         <p:nvSpPr>
-          <p:cNvPr id="182" name="Google Shape;182;p27"/>
+          <p:cNvPr id="183" name="Google Shape;183;p27"/>
           <p:cNvSpPr txBox="1"/>
           <p:nvPr/>
         </p:nvSpPr>
@@ -11735,7 +11912,7 @@
       </p:sp>
       <p:sp>
         <p:nvSpPr>
-          <p:cNvPr id="183" name="Google Shape;183;p27"/>
+          <p:cNvPr id="184" name="Google Shape;184;p27"/>
           <p:cNvSpPr txBox="1"/>
           <p:nvPr/>
         </p:nvSpPr>
@@ -11790,7 +11967,7 @@
       </p:sp>
       <p:pic>
         <p:nvPicPr>
-          <p:cNvPr id="184" name="Google Shape;184;p27"/>
+          <p:cNvPr id="185" name="Google Shape;185;p27"/>
           <p:cNvPicPr preferRelativeResize="0"/>
           <p:nvPr/>
         </p:nvPicPr>
@@ -11829,7 +12006,7 @@
   <p:cSld>
     <p:spTree>
       <p:nvGrpSpPr>
-        <p:cNvPr id="188" name="Shape 188"/>
+        <p:cNvPr id="189" name="Shape 189"/>
         <p:cNvGrpSpPr/>
         <p:nvPr/>
       </p:nvGrpSpPr>
@@ -11843,7 +12020,7 @@
       </p:grpSpPr>
       <p:sp>
         <p:nvSpPr>
-          <p:cNvPr id="189" name="Google Shape;189;p28"/>
+          <p:cNvPr id="190" name="Google Shape;190;p28"/>
           <p:cNvSpPr txBox="1"/>
           <p:nvPr/>
         </p:nvSpPr>
@@ -11898,7 +12075,7 @@
       </p:sp>
       <p:pic>
         <p:nvPicPr>
-          <p:cNvPr id="190" name="Google Shape;190;p28"/>
+          <p:cNvPr id="191" name="Google Shape;191;p28"/>
           <p:cNvPicPr preferRelativeResize="0"/>
           <p:nvPr/>
         </p:nvPicPr>
@@ -11937,7 +12114,7 @@
   <p:cSld>
     <p:spTree>
       <p:nvGrpSpPr>
-        <p:cNvPr id="194" name="Shape 194"/>
+        <p:cNvPr id="195" name="Shape 195"/>
         <p:cNvGrpSpPr/>
         <p:nvPr/>
       </p:nvGrpSpPr>
@@ -11951,7 +12128,7 @@
       </p:grpSpPr>
       <p:sp>
         <p:nvSpPr>
-          <p:cNvPr id="195" name="Google Shape;195;p29"/>
+          <p:cNvPr id="196" name="Google Shape;196;p29"/>
           <p:cNvSpPr txBox="1"/>
           <p:nvPr/>
         </p:nvSpPr>
@@ -12009,7 +12186,7 @@
       </p:sp>
       <p:sp>
         <p:nvSpPr>
-          <p:cNvPr id="196" name="Google Shape;196;p29"/>
+          <p:cNvPr id="197" name="Google Shape;197;p29"/>
           <p:cNvSpPr txBox="1"/>
           <p:nvPr/>
         </p:nvSpPr>
@@ -12054,6 +12231,224 @@
               <a:t>Conclusion:</a:t>
             </a:r>
             <a:endParaRPr b="1" sz="2200">
+              <a:solidFill>
+                <a:srgbClr val="FFFFFF"/>
+              </a:solidFill>
+              <a:latin typeface="Roboto"/>
+              <a:ea typeface="Roboto"/>
+              <a:cs typeface="Roboto"/>
+              <a:sym typeface="Roboto"/>
+            </a:endParaRPr>
+          </a:p>
+        </p:txBody>
+      </p:sp>
+    </p:spTree>
+  </p:cSld>
+  <p:clrMapOvr>
+    <a:masterClrMapping/>
+  </p:clrMapOvr>
+</p:sld>
+</file>
+
+<file path=ppt/slides/slide18.xml><?xml version="1.0" encoding="utf-8"?>
+<p:sld xmlns:a="http://schemas.openxmlformats.org/drawingml/2006/main" xmlns:r="http://schemas.openxmlformats.org/officeDocument/2006/relationships" xmlns:mc="http://schemas.openxmlformats.org/markup-compatibility/2006" xmlns:mv="urn:schemas-microsoft-com:mac:vml" xmlns:p="http://schemas.openxmlformats.org/presentationml/2006/main" xmlns:c="http://schemas.openxmlformats.org/drawingml/2006/chart" xmlns:dgm="http://schemas.openxmlformats.org/drawingml/2006/diagram" xmlns:o="urn:schemas-microsoft-com:office:office" xmlns:v="urn:schemas-microsoft-com:vml" xmlns:pvml="urn:schemas-microsoft-com:office:powerpoint" xmlns:com="http://schemas.openxmlformats.org/drawingml/2006/compatibility" xmlns:p14="http://schemas.microsoft.com/office/powerpoint/2010/main" xmlns:p15="http://schemas.microsoft.com/office/powerpoint/2012/main" xmlns:ahyp="http://schemas.microsoft.com/office/drawing/2018/hyperlinkcolor">
+  <p:cSld>
+    <p:spTree>
+      <p:nvGrpSpPr>
+        <p:cNvPr id="201" name="Shape 201"/>
+        <p:cNvGrpSpPr/>
+        <p:nvPr/>
+      </p:nvGrpSpPr>
+      <p:grpSpPr>
+        <a:xfrm>
+          <a:off x="0" y="0"/>
+          <a:ext cx="0" cy="0"/>
+          <a:chOff x="0" y="0"/>
+          <a:chExt cx="0" cy="0"/>
+        </a:xfrm>
+      </p:grpSpPr>
+      <p:sp>
+        <p:nvSpPr>
+          <p:cNvPr id="202" name="Google Shape;202;p30"/>
+          <p:cNvSpPr txBox="1"/>
+          <p:nvPr/>
+        </p:nvSpPr>
+        <p:spPr>
+          <a:xfrm>
+            <a:off x="344700" y="2757525"/>
+            <a:ext cx="7893300" cy="1046700"/>
+          </a:xfrm>
+          <a:prstGeom prst="rect">
+            <a:avLst/>
+          </a:prstGeom>
+          <a:noFill/>
+          <a:ln>
+            <a:noFill/>
+          </a:ln>
+        </p:spPr>
+        <p:txBody>
+          <a:bodyPr anchorCtr="0" anchor="t" bIns="91425" lIns="91425" spcFirstLastPara="1" rIns="91425" wrap="square" tIns="91425">
+            <a:spAutoFit/>
+          </a:bodyPr>
+          <a:lstStyle/>
+          <a:p>
+            <a:pPr indent="0" lvl="0" marL="0" rtl="0" algn="l">
+              <a:spcBef>
+                <a:spcPts val="0"/>
+              </a:spcBef>
+              <a:spcAft>
+                <a:spcPts val="0"/>
+              </a:spcAft>
+              <a:buNone/>
+            </a:pPr>
+            <a:r>
+              <a:rPr lang="en">
+                <a:solidFill>
+                  <a:srgbClr val="FFFFFF"/>
+                </a:solidFill>
+                <a:latin typeface="Verdana"/>
+                <a:ea typeface="Verdana"/>
+                <a:cs typeface="Verdana"/>
+                <a:sym typeface="Verdana"/>
+              </a:rPr>
+              <a:t>Shailaja.S</a:t>
+            </a:r>
+            <a:endParaRPr>
+              <a:solidFill>
+                <a:srgbClr val="FFFFFF"/>
+              </a:solidFill>
+              <a:latin typeface="Verdana"/>
+              <a:ea typeface="Verdana"/>
+              <a:cs typeface="Verdana"/>
+              <a:sym typeface="Verdana"/>
+            </a:endParaRPr>
+          </a:p>
+          <a:p>
+            <a:pPr indent="0" lvl="0" marL="0" rtl="0" algn="l">
+              <a:spcBef>
+                <a:spcPts val="1200"/>
+              </a:spcBef>
+              <a:spcAft>
+                <a:spcPts val="0"/>
+              </a:spcAft>
+              <a:buNone/>
+            </a:pPr>
+            <a:r>
+              <a:rPr lang="en" sz="1100">
+                <a:solidFill>
+                  <a:srgbClr val="FFFFFF"/>
+                </a:solidFill>
+                <a:latin typeface="Verdana"/>
+                <a:ea typeface="Verdana"/>
+                <a:cs typeface="Verdana"/>
+                <a:sym typeface="Verdana"/>
+              </a:rPr>
+              <a:t>email:</a:t>
+            </a:r>
+            <a:r>
+              <a:rPr lang="en" sz="1100" u="sng">
+                <a:solidFill>
+                  <a:schemeClr val="hlink"/>
+                </a:solidFill>
+                <a:latin typeface="Verdana"/>
+                <a:ea typeface="Verdana"/>
+                <a:cs typeface="Verdana"/>
+                <a:sym typeface="Verdana"/>
+                <a:hlinkClick r:id="rId3"/>
+              </a:rPr>
+              <a:t>shaila.sid01@gmail.com</a:t>
+            </a:r>
+            <a:endParaRPr sz="1100">
+              <a:solidFill>
+                <a:srgbClr val="FFFFFF"/>
+              </a:solidFill>
+              <a:latin typeface="Verdana"/>
+              <a:ea typeface="Verdana"/>
+              <a:cs typeface="Verdana"/>
+              <a:sym typeface="Verdana"/>
+            </a:endParaRPr>
+          </a:p>
+          <a:p>
+            <a:pPr indent="0" lvl="0" marL="0" rtl="0" algn="l">
+              <a:spcBef>
+                <a:spcPts val="1200"/>
+              </a:spcBef>
+              <a:spcAft>
+                <a:spcPts val="1200"/>
+              </a:spcAft>
+              <a:buNone/>
+            </a:pPr>
+            <a:r>
+              <a:rPr lang="en" sz="1100">
+                <a:solidFill>
+                  <a:srgbClr val="FFFFFF"/>
+                </a:solidFill>
+                <a:latin typeface="Verdana"/>
+                <a:ea typeface="Verdana"/>
+                <a:cs typeface="Verdana"/>
+                <a:sym typeface="Verdana"/>
+              </a:rPr>
+              <a:t>Github: https://github.com/shaisid01/Data-Science/tree/main/CapstoneProjects/Capstone%203</a:t>
+            </a:r>
+            <a:endParaRPr sz="1100">
+              <a:solidFill>
+                <a:srgbClr val="FFFFFF"/>
+              </a:solidFill>
+              <a:latin typeface="Verdana"/>
+              <a:ea typeface="Verdana"/>
+              <a:cs typeface="Verdana"/>
+              <a:sym typeface="Verdana"/>
+            </a:endParaRPr>
+          </a:p>
+        </p:txBody>
+      </p:sp>
+      <p:sp>
+        <p:nvSpPr>
+          <p:cNvPr id="203" name="Google Shape;203;p30"/>
+          <p:cNvSpPr txBox="1"/>
+          <p:nvPr/>
+        </p:nvSpPr>
+        <p:spPr>
+          <a:xfrm>
+            <a:off x="1041300" y="1101250"/>
+            <a:ext cx="7061400" cy="800400"/>
+          </a:xfrm>
+          <a:prstGeom prst="rect">
+            <a:avLst/>
+          </a:prstGeom>
+          <a:noFill/>
+          <a:ln>
+            <a:noFill/>
+          </a:ln>
+        </p:spPr>
+        <p:txBody>
+          <a:bodyPr anchorCtr="0" anchor="t" bIns="91425" lIns="91425" spcFirstLastPara="1" rIns="91425" wrap="square" tIns="91425">
+            <a:spAutoFit/>
+          </a:bodyPr>
+          <a:lstStyle/>
+          <a:p>
+            <a:pPr indent="0" lvl="0" marL="0" rtl="0" algn="ctr">
+              <a:spcBef>
+                <a:spcPts val="0"/>
+              </a:spcBef>
+              <a:spcAft>
+                <a:spcPts val="1200"/>
+              </a:spcAft>
+              <a:buNone/>
+            </a:pPr>
+            <a:r>
+              <a:rPr b="1" lang="en" sz="4000">
+                <a:solidFill>
+                  <a:srgbClr val="FFFFFF"/>
+                </a:solidFill>
+                <a:latin typeface="Verdana"/>
+                <a:ea typeface="Verdana"/>
+                <a:cs typeface="Verdana"/>
+                <a:sym typeface="Verdana"/>
+              </a:rPr>
+              <a:t>Thank You</a:t>
+            </a:r>
+            <a:endParaRPr b="1" sz="4000">
               <a:solidFill>
                 <a:srgbClr val="FFFFFF"/>
               </a:solidFill>
@@ -12078,7 +12473,7 @@
   <p:cSld>
     <p:spTree>
       <p:nvGrpSpPr>
-        <p:cNvPr id="90" name="Shape 90"/>
+        <p:cNvPr id="91" name="Shape 91"/>
         <p:cNvGrpSpPr/>
         <p:nvPr/>
       </p:nvGrpSpPr>
@@ -12092,7 +12487,7 @@
       </p:grpSpPr>
       <p:sp>
         <p:nvSpPr>
-          <p:cNvPr id="91" name="Google Shape;91;p14"/>
+          <p:cNvPr id="92" name="Google Shape;92;p14"/>
           <p:cNvSpPr txBox="1"/>
           <p:nvPr/>
         </p:nvSpPr>
@@ -12330,7 +12725,7 @@
       </p:sp>
       <p:sp>
         <p:nvSpPr>
-          <p:cNvPr id="92" name="Google Shape;92;p14"/>
+          <p:cNvPr id="93" name="Google Shape;93;p14"/>
           <p:cNvSpPr txBox="1"/>
           <p:nvPr/>
         </p:nvSpPr>
@@ -12396,7 +12791,7 @@
   <p:cSld>
     <p:spTree>
       <p:nvGrpSpPr>
-        <p:cNvPr id="96" name="Shape 96"/>
+        <p:cNvPr id="97" name="Shape 97"/>
         <p:cNvGrpSpPr/>
         <p:nvPr/>
       </p:nvGrpSpPr>
@@ -12410,7 +12805,7 @@
       </p:grpSpPr>
       <p:sp>
         <p:nvSpPr>
-          <p:cNvPr id="97" name="Google Shape;97;p15"/>
+          <p:cNvPr id="98" name="Google Shape;98;p15"/>
           <p:cNvSpPr txBox="1"/>
           <p:nvPr/>
         </p:nvSpPr>
@@ -12583,7 +12978,7 @@
       </p:sp>
       <p:sp>
         <p:nvSpPr>
-          <p:cNvPr id="98" name="Google Shape;98;p15"/>
+          <p:cNvPr id="99" name="Google Shape;99;p15"/>
           <p:cNvSpPr txBox="1"/>
           <p:nvPr/>
         </p:nvSpPr>
@@ -12649,7 +13044,7 @@
   <p:cSld>
     <p:spTree>
       <p:nvGrpSpPr>
-        <p:cNvPr id="102" name="Shape 102"/>
+        <p:cNvPr id="103" name="Shape 103"/>
         <p:cNvGrpSpPr/>
         <p:nvPr/>
       </p:nvGrpSpPr>
@@ -12663,7 +13058,7 @@
       </p:grpSpPr>
       <p:sp>
         <p:nvSpPr>
-          <p:cNvPr id="103" name="Google Shape;103;p16"/>
+          <p:cNvPr id="104" name="Google Shape;104;p16"/>
           <p:cNvSpPr txBox="1"/>
           <p:nvPr/>
         </p:nvSpPr>
@@ -13215,7 +13610,7 @@
       </p:sp>
       <p:sp>
         <p:nvSpPr>
-          <p:cNvPr id="104" name="Google Shape;104;p16"/>
+          <p:cNvPr id="105" name="Google Shape;105;p16"/>
           <p:cNvSpPr txBox="1"/>
           <p:nvPr/>
         </p:nvSpPr>
@@ -13281,7 +13676,7 @@
   <p:cSld>
     <p:spTree>
       <p:nvGrpSpPr>
-        <p:cNvPr id="108" name="Shape 108"/>
+        <p:cNvPr id="109" name="Shape 109"/>
         <p:cNvGrpSpPr/>
         <p:nvPr/>
       </p:nvGrpSpPr>
@@ -13295,7 +13690,7 @@
       </p:grpSpPr>
       <p:sp>
         <p:nvSpPr>
-          <p:cNvPr id="109" name="Google Shape;109;p17"/>
+          <p:cNvPr id="110" name="Google Shape;110;p17"/>
           <p:cNvSpPr txBox="1"/>
           <p:nvPr/>
         </p:nvSpPr>
@@ -13504,7 +13899,7 @@
       </p:sp>
       <p:sp>
         <p:nvSpPr>
-          <p:cNvPr id="110" name="Google Shape;110;p17"/>
+          <p:cNvPr id="111" name="Google Shape;111;p17"/>
           <p:cNvSpPr txBox="1"/>
           <p:nvPr/>
         </p:nvSpPr>
@@ -13570,7 +13965,7 @@
   <p:cSld>
     <p:spTree>
       <p:nvGrpSpPr>
-        <p:cNvPr id="114" name="Shape 114"/>
+        <p:cNvPr id="115" name="Shape 115"/>
         <p:cNvGrpSpPr/>
         <p:nvPr/>
       </p:nvGrpSpPr>
@@ -13584,7 +13979,7 @@
       </p:grpSpPr>
       <p:sp>
         <p:nvSpPr>
-          <p:cNvPr id="115" name="Google Shape;115;p18"/>
+          <p:cNvPr id="116" name="Google Shape;116;p18"/>
           <p:cNvSpPr txBox="1"/>
           <p:nvPr/>
         </p:nvSpPr>
@@ -13642,7 +14037,7 @@
       </p:sp>
       <p:pic>
         <p:nvPicPr>
-          <p:cNvPr id="116" name="Google Shape;116;p18"/>
+          <p:cNvPr id="117" name="Google Shape;117;p18"/>
           <p:cNvPicPr preferRelativeResize="0"/>
           <p:nvPr/>
         </p:nvPicPr>
@@ -13670,7 +14065,7 @@
       </p:pic>
       <p:pic>
         <p:nvPicPr>
-          <p:cNvPr id="117" name="Google Shape;117;p18"/>
+          <p:cNvPr id="118" name="Google Shape;118;p18"/>
           <p:cNvPicPr preferRelativeResize="0"/>
           <p:nvPr/>
         </p:nvPicPr>
@@ -13698,7 +14093,7 @@
       </p:pic>
       <p:sp>
         <p:nvSpPr>
-          <p:cNvPr id="118" name="Google Shape;118;p18"/>
+          <p:cNvPr id="119" name="Google Shape;119;p18"/>
           <p:cNvSpPr txBox="1"/>
           <p:nvPr/>
         </p:nvSpPr>
@@ -13767,7 +14162,7 @@
   <p:cSld>
     <p:spTree>
       <p:nvGrpSpPr>
-        <p:cNvPr id="122" name="Shape 122"/>
+        <p:cNvPr id="123" name="Shape 123"/>
         <p:cNvGrpSpPr/>
         <p:nvPr/>
       </p:nvGrpSpPr>
@@ -13781,7 +14176,7 @@
       </p:grpSpPr>
       <p:sp>
         <p:nvSpPr>
-          <p:cNvPr id="123" name="Google Shape;123;p19"/>
+          <p:cNvPr id="124" name="Google Shape;124;p19"/>
           <p:cNvSpPr txBox="1"/>
           <p:nvPr/>
         </p:nvSpPr>
@@ -13851,7 +14246,7 @@
       </p:sp>
       <p:sp>
         <p:nvSpPr>
-          <p:cNvPr id="124" name="Google Shape;124;p19"/>
+          <p:cNvPr id="125" name="Google Shape;125;p19"/>
           <p:cNvSpPr txBox="1"/>
           <p:nvPr/>
         </p:nvSpPr>
@@ -13909,7 +14304,7 @@
       </p:sp>
       <p:sp>
         <p:nvSpPr>
-          <p:cNvPr id="125" name="Google Shape;125;p19"/>
+          <p:cNvPr id="126" name="Google Shape;126;p19"/>
           <p:cNvSpPr txBox="1"/>
           <p:nvPr/>
         </p:nvSpPr>
@@ -14098,7 +14493,7 @@
       </p:sp>
       <p:pic>
         <p:nvPicPr>
-          <p:cNvPr id="126" name="Google Shape;126;p19"/>
+          <p:cNvPr id="127" name="Google Shape;127;p19"/>
           <p:cNvPicPr preferRelativeResize="0"/>
           <p:nvPr/>
         </p:nvPicPr>
@@ -14137,7 +14532,7 @@
   <p:cSld>
     <p:spTree>
       <p:nvGrpSpPr>
-        <p:cNvPr id="130" name="Shape 130"/>
+        <p:cNvPr id="131" name="Shape 131"/>
         <p:cNvGrpSpPr/>
         <p:nvPr/>
       </p:nvGrpSpPr>
@@ -14151,7 +14546,7 @@
       </p:grpSpPr>
       <p:sp>
         <p:nvSpPr>
-          <p:cNvPr id="131" name="Google Shape;131;p20"/>
+          <p:cNvPr id="132" name="Google Shape;132;p20"/>
           <p:cNvSpPr txBox="1"/>
           <p:nvPr/>
         </p:nvSpPr>
@@ -14209,7 +14604,7 @@
       </p:sp>
       <p:sp>
         <p:nvSpPr>
-          <p:cNvPr id="132" name="Google Shape;132;p20"/>
+          <p:cNvPr id="133" name="Google Shape;133;p20"/>
           <p:cNvSpPr txBox="1"/>
           <p:nvPr/>
         </p:nvSpPr>
@@ -14267,7 +14662,7 @@
       </p:sp>
       <p:sp>
         <p:nvSpPr>
-          <p:cNvPr id="133" name="Google Shape;133;p20"/>
+          <p:cNvPr id="134" name="Google Shape;134;p20"/>
           <p:cNvSpPr txBox="1"/>
           <p:nvPr/>
         </p:nvSpPr>
@@ -14456,7 +14851,7 @@
       </p:sp>
       <p:pic>
         <p:nvPicPr>
-          <p:cNvPr id="134" name="Google Shape;134;p20"/>
+          <p:cNvPr id="135" name="Google Shape;135;p20"/>
           <p:cNvPicPr preferRelativeResize="0"/>
           <p:nvPr/>
         </p:nvPicPr>
@@ -14495,7 +14890,7 @@
   <p:cSld>
     <p:spTree>
       <p:nvGrpSpPr>
-        <p:cNvPr id="138" name="Shape 138"/>
+        <p:cNvPr id="139" name="Shape 139"/>
         <p:cNvGrpSpPr/>
         <p:nvPr/>
       </p:nvGrpSpPr>
@@ -14509,7 +14904,7 @@
       </p:grpSpPr>
       <p:sp>
         <p:nvSpPr>
-          <p:cNvPr id="139" name="Google Shape;139;p21"/>
+          <p:cNvPr id="140" name="Google Shape;140;p21"/>
           <p:cNvSpPr txBox="1"/>
           <p:nvPr/>
         </p:nvSpPr>
@@ -14567,7 +14962,7 @@
       </p:sp>
       <p:sp>
         <p:nvSpPr>
-          <p:cNvPr id="140" name="Google Shape;140;p21"/>
+          <p:cNvPr id="141" name="Google Shape;141;p21"/>
           <p:cNvSpPr txBox="1"/>
           <p:nvPr/>
         </p:nvSpPr>
@@ -14625,7 +15020,7 @@
       </p:sp>
       <p:sp>
         <p:nvSpPr>
-          <p:cNvPr id="141" name="Google Shape;141;p21"/>
+          <p:cNvPr id="142" name="Google Shape;142;p21"/>
           <p:cNvSpPr txBox="1"/>
           <p:nvPr/>
         </p:nvSpPr>
@@ -14830,7 +15225,7 @@
       </p:sp>
       <p:pic>
         <p:nvPicPr>
-          <p:cNvPr id="142" name="Google Shape;142;p21"/>
+          <p:cNvPr id="143" name="Google Shape;143;p21"/>
           <p:cNvPicPr preferRelativeResize="0"/>
           <p:nvPr/>
         </p:nvPicPr>
